--- a/Slides/POO/7 Object As Is.pptx
+++ b/Slides/POO/7 Object As Is.pptx
@@ -116,6 +116,35 @@
 </p:presentation>
 </file>
 
+<file path=ppt/changesInfos/changesInfo1.xml><?xml version="1.0" encoding="utf-8"?>
+<pc:chgInfo xmlns:a="http://schemas.openxmlformats.org/drawingml/2006/main" xmlns:r="http://schemas.openxmlformats.org/officeDocument/2006/relationships" xmlns:ac="http://schemas.microsoft.com/office/drawing/2013/main/command" xmlns:pc="http://schemas.microsoft.com/office/powerpoint/2013/main/command">
+  <pc:docChgLst>
+    <pc:chgData name="Cesar Augusto Lopez Gallego" userId="0dfa9112-9251-4882-b472-cf2dfcee09d1" providerId="ADAL" clId="{175F44BC-E516-4305-BC69-82B88473AF56}"/>
+    <pc:docChg chg="modSld">
+      <pc:chgData name="Cesar Augusto Lopez Gallego" userId="0dfa9112-9251-4882-b472-cf2dfcee09d1" providerId="ADAL" clId="{175F44BC-E516-4305-BC69-82B88473AF56}" dt="2025-03-26T15:48:37.479" v="17" actId="20577"/>
+      <pc:docMkLst>
+        <pc:docMk/>
+      </pc:docMkLst>
+      <pc:sldChg chg="modSp mod">
+        <pc:chgData name="Cesar Augusto Lopez Gallego" userId="0dfa9112-9251-4882-b472-cf2dfcee09d1" providerId="ADAL" clId="{175F44BC-E516-4305-BC69-82B88473AF56}" dt="2025-03-26T15:48:37.479" v="17" actId="20577"/>
+        <pc:sldMkLst>
+          <pc:docMk/>
+          <pc:sldMk cId="2006411409" sldId="257"/>
+        </pc:sldMkLst>
+        <pc:spChg chg="mod">
+          <ac:chgData name="Cesar Augusto Lopez Gallego" userId="0dfa9112-9251-4882-b472-cf2dfcee09d1" providerId="ADAL" clId="{175F44BC-E516-4305-BC69-82B88473AF56}" dt="2025-03-26T15:48:37.479" v="17" actId="20577"/>
+          <ac:spMkLst>
+            <pc:docMk/>
+            <pc:sldMk cId="2006411409" sldId="257"/>
+            <ac:spMk id="3" creationId="{00000000-0000-0000-0000-000000000000}"/>
+          </ac:spMkLst>
+        </pc:spChg>
+      </pc:sldChg>
+    </pc:docChg>
+  </pc:docChgLst>
+</pc:chgInfo>
+</file>
+
 <file path=ppt/slideLayouts/slideLayout1.xml><?xml version="1.0" encoding="utf-8"?>
 <p:sldLayout xmlns:a="http://schemas.openxmlformats.org/drawingml/2006/main" xmlns:r="http://schemas.openxmlformats.org/officeDocument/2006/relationships" xmlns:p="http://schemas.openxmlformats.org/presentationml/2006/main" type="title" preserve="1">
   <p:cSld name="Diapositiva de título">
@@ -158,7 +187,7 @@
           </a:lstStyle>
           <a:p>
             <a:r>
-              <a:rPr lang="es-ES" smtClean="0"/>
+              <a:rPr lang="es-ES"/>
               <a:t>Haga clic para modificar el estilo de título del patrón</a:t>
             </a:r>
             <a:endParaRPr lang="es-CO"/>
@@ -223,7 +252,7 @@
           </a:lstStyle>
           <a:p>
             <a:r>
-              <a:rPr lang="es-ES" smtClean="0"/>
+              <a:rPr lang="es-ES"/>
               <a:t>Haga clic para editar el estilo de subtítulo del patrón</a:t>
             </a:r>
             <a:endParaRPr lang="es-CO"/>
@@ -247,7 +276,7 @@
           <a:p>
             <a:fld id="{4EF273E6-D4E2-4925-B0B2-F8C87153A7CB}" type="datetimeFigureOut">
               <a:rPr lang="es-CO" smtClean="0"/>
-              <a:t>5/05/2020</a:t>
+              <a:t>26/03/2025</a:t>
             </a:fld>
             <a:endParaRPr lang="es-CO"/>
           </a:p>
@@ -341,7 +370,7 @@
           <a:lstStyle/>
           <a:p>
             <a:r>
-              <a:rPr lang="es-ES" smtClean="0"/>
+              <a:rPr lang="es-ES"/>
               <a:t>Haga clic para modificar el estilo de título del patrón</a:t>
             </a:r>
             <a:endParaRPr lang="es-CO"/>
@@ -365,35 +394,35 @@
           <a:p>
             <a:pPr lvl="0"/>
             <a:r>
-              <a:rPr lang="es-ES" smtClean="0"/>
+              <a:rPr lang="es-ES"/>
               <a:t>Editar el estilo de texto del patrón</a:t>
             </a:r>
           </a:p>
           <a:p>
             <a:pPr lvl="1"/>
             <a:r>
-              <a:rPr lang="es-ES" smtClean="0"/>
+              <a:rPr lang="es-ES"/>
               <a:t>Segundo nivel</a:t>
             </a:r>
           </a:p>
           <a:p>
             <a:pPr lvl="2"/>
             <a:r>
-              <a:rPr lang="es-ES" smtClean="0"/>
+              <a:rPr lang="es-ES"/>
               <a:t>Tercer nivel</a:t>
             </a:r>
           </a:p>
           <a:p>
             <a:pPr lvl="3"/>
             <a:r>
-              <a:rPr lang="es-ES" smtClean="0"/>
+              <a:rPr lang="es-ES"/>
               <a:t>Cuarto nivel</a:t>
             </a:r>
           </a:p>
           <a:p>
             <a:pPr lvl="4"/>
             <a:r>
-              <a:rPr lang="es-ES" smtClean="0"/>
+              <a:rPr lang="es-ES"/>
               <a:t>Quinto nivel</a:t>
             </a:r>
             <a:endParaRPr lang="es-CO"/>
@@ -417,7 +446,7 @@
           <a:p>
             <a:fld id="{4EF273E6-D4E2-4925-B0B2-F8C87153A7CB}" type="datetimeFigureOut">
               <a:rPr lang="es-CO" smtClean="0"/>
-              <a:t>5/05/2020</a:t>
+              <a:t>26/03/2025</a:t>
             </a:fld>
             <a:endParaRPr lang="es-CO"/>
           </a:p>
@@ -516,7 +545,7 @@
           <a:lstStyle/>
           <a:p>
             <a:r>
-              <a:rPr lang="es-ES" smtClean="0"/>
+              <a:rPr lang="es-ES"/>
               <a:t>Haga clic para modificar el estilo de título del patrón</a:t>
             </a:r>
             <a:endParaRPr lang="es-CO"/>
@@ -545,35 +574,35 @@
           <a:p>
             <a:pPr lvl="0"/>
             <a:r>
-              <a:rPr lang="es-ES" smtClean="0"/>
+              <a:rPr lang="es-ES"/>
               <a:t>Editar el estilo de texto del patrón</a:t>
             </a:r>
           </a:p>
           <a:p>
             <a:pPr lvl="1"/>
             <a:r>
-              <a:rPr lang="es-ES" smtClean="0"/>
+              <a:rPr lang="es-ES"/>
               <a:t>Segundo nivel</a:t>
             </a:r>
           </a:p>
           <a:p>
             <a:pPr lvl="2"/>
             <a:r>
-              <a:rPr lang="es-ES" smtClean="0"/>
+              <a:rPr lang="es-ES"/>
               <a:t>Tercer nivel</a:t>
             </a:r>
           </a:p>
           <a:p>
             <a:pPr lvl="3"/>
             <a:r>
-              <a:rPr lang="es-ES" smtClean="0"/>
+              <a:rPr lang="es-ES"/>
               <a:t>Cuarto nivel</a:t>
             </a:r>
           </a:p>
           <a:p>
             <a:pPr lvl="4"/>
             <a:r>
-              <a:rPr lang="es-ES" smtClean="0"/>
+              <a:rPr lang="es-ES"/>
               <a:t>Quinto nivel</a:t>
             </a:r>
             <a:endParaRPr lang="es-CO"/>
@@ -597,7 +626,7 @@
           <a:p>
             <a:fld id="{4EF273E6-D4E2-4925-B0B2-F8C87153A7CB}" type="datetimeFigureOut">
               <a:rPr lang="es-CO" smtClean="0"/>
-              <a:t>5/05/2020</a:t>
+              <a:t>26/03/2025</a:t>
             </a:fld>
             <a:endParaRPr lang="es-CO"/>
           </a:p>
@@ -691,7 +720,7 @@
           <a:lstStyle/>
           <a:p>
             <a:r>
-              <a:rPr lang="es-ES" smtClean="0"/>
+              <a:rPr lang="es-ES"/>
               <a:t>Haga clic para modificar el estilo de título del patrón</a:t>
             </a:r>
             <a:endParaRPr lang="es-CO"/>
@@ -715,35 +744,35 @@
           <a:p>
             <a:pPr lvl="0"/>
             <a:r>
-              <a:rPr lang="es-ES" smtClean="0"/>
+              <a:rPr lang="es-ES"/>
               <a:t>Editar el estilo de texto del patrón</a:t>
             </a:r>
           </a:p>
           <a:p>
             <a:pPr lvl="1"/>
             <a:r>
-              <a:rPr lang="es-ES" smtClean="0"/>
+              <a:rPr lang="es-ES"/>
               <a:t>Segundo nivel</a:t>
             </a:r>
           </a:p>
           <a:p>
             <a:pPr lvl="2"/>
             <a:r>
-              <a:rPr lang="es-ES" smtClean="0"/>
+              <a:rPr lang="es-ES"/>
               <a:t>Tercer nivel</a:t>
             </a:r>
           </a:p>
           <a:p>
             <a:pPr lvl="3"/>
             <a:r>
-              <a:rPr lang="es-ES" smtClean="0"/>
+              <a:rPr lang="es-ES"/>
               <a:t>Cuarto nivel</a:t>
             </a:r>
           </a:p>
           <a:p>
             <a:pPr lvl="4"/>
             <a:r>
-              <a:rPr lang="es-ES" smtClean="0"/>
+              <a:rPr lang="es-ES"/>
               <a:t>Quinto nivel</a:t>
             </a:r>
             <a:endParaRPr lang="es-CO"/>
@@ -767,7 +796,7 @@
           <a:p>
             <a:fld id="{4EF273E6-D4E2-4925-B0B2-F8C87153A7CB}" type="datetimeFigureOut">
               <a:rPr lang="es-CO" smtClean="0"/>
-              <a:t>5/05/2020</a:t>
+              <a:t>26/03/2025</a:t>
             </a:fld>
             <a:endParaRPr lang="es-CO"/>
           </a:p>
@@ -870,7 +899,7 @@
           </a:lstStyle>
           <a:p>
             <a:r>
-              <a:rPr lang="es-ES" smtClean="0"/>
+              <a:rPr lang="es-ES"/>
               <a:t>Haga clic para modificar el estilo de título del patrón</a:t>
             </a:r>
             <a:endParaRPr lang="es-CO"/>
@@ -990,7 +1019,7 @@
           <a:p>
             <a:pPr lvl="0"/>
             <a:r>
-              <a:rPr lang="es-ES" smtClean="0"/>
+              <a:rPr lang="es-ES"/>
               <a:t>Editar el estilo de texto del patrón</a:t>
             </a:r>
           </a:p>
@@ -1013,7 +1042,7 @@
           <a:p>
             <a:fld id="{4EF273E6-D4E2-4925-B0B2-F8C87153A7CB}" type="datetimeFigureOut">
               <a:rPr lang="es-CO" smtClean="0"/>
-              <a:t>5/05/2020</a:t>
+              <a:t>26/03/2025</a:t>
             </a:fld>
             <a:endParaRPr lang="es-CO"/>
           </a:p>
@@ -1107,7 +1136,7 @@
           <a:lstStyle/>
           <a:p>
             <a:r>
-              <a:rPr lang="es-ES" smtClean="0"/>
+              <a:rPr lang="es-ES"/>
               <a:t>Haga clic para modificar el estilo de título del patrón</a:t>
             </a:r>
             <a:endParaRPr lang="es-CO"/>
@@ -1136,35 +1165,35 @@
           <a:p>
             <a:pPr lvl="0"/>
             <a:r>
-              <a:rPr lang="es-ES" smtClean="0"/>
+              <a:rPr lang="es-ES"/>
               <a:t>Editar el estilo de texto del patrón</a:t>
             </a:r>
           </a:p>
           <a:p>
             <a:pPr lvl="1"/>
             <a:r>
-              <a:rPr lang="es-ES" smtClean="0"/>
+              <a:rPr lang="es-ES"/>
               <a:t>Segundo nivel</a:t>
             </a:r>
           </a:p>
           <a:p>
             <a:pPr lvl="2"/>
             <a:r>
-              <a:rPr lang="es-ES" smtClean="0"/>
+              <a:rPr lang="es-ES"/>
               <a:t>Tercer nivel</a:t>
             </a:r>
           </a:p>
           <a:p>
             <a:pPr lvl="3"/>
             <a:r>
-              <a:rPr lang="es-ES" smtClean="0"/>
+              <a:rPr lang="es-ES"/>
               <a:t>Cuarto nivel</a:t>
             </a:r>
           </a:p>
           <a:p>
             <a:pPr lvl="4"/>
             <a:r>
-              <a:rPr lang="es-ES" smtClean="0"/>
+              <a:rPr lang="es-ES"/>
               <a:t>Quinto nivel</a:t>
             </a:r>
             <a:endParaRPr lang="es-CO"/>
@@ -1193,35 +1222,35 @@
           <a:p>
             <a:pPr lvl="0"/>
             <a:r>
-              <a:rPr lang="es-ES" smtClean="0"/>
+              <a:rPr lang="es-ES"/>
               <a:t>Editar el estilo de texto del patrón</a:t>
             </a:r>
           </a:p>
           <a:p>
             <a:pPr lvl="1"/>
             <a:r>
-              <a:rPr lang="es-ES" smtClean="0"/>
+              <a:rPr lang="es-ES"/>
               <a:t>Segundo nivel</a:t>
             </a:r>
           </a:p>
           <a:p>
             <a:pPr lvl="2"/>
             <a:r>
-              <a:rPr lang="es-ES" smtClean="0"/>
+              <a:rPr lang="es-ES"/>
               <a:t>Tercer nivel</a:t>
             </a:r>
           </a:p>
           <a:p>
             <a:pPr lvl="3"/>
             <a:r>
-              <a:rPr lang="es-ES" smtClean="0"/>
+              <a:rPr lang="es-ES"/>
               <a:t>Cuarto nivel</a:t>
             </a:r>
           </a:p>
           <a:p>
             <a:pPr lvl="4"/>
             <a:r>
-              <a:rPr lang="es-ES" smtClean="0"/>
+              <a:rPr lang="es-ES"/>
               <a:t>Quinto nivel</a:t>
             </a:r>
             <a:endParaRPr lang="es-CO"/>
@@ -1245,7 +1274,7 @@
           <a:p>
             <a:fld id="{4EF273E6-D4E2-4925-B0B2-F8C87153A7CB}" type="datetimeFigureOut">
               <a:rPr lang="es-CO" smtClean="0"/>
-              <a:t>5/05/2020</a:t>
+              <a:t>26/03/2025</a:t>
             </a:fld>
             <a:endParaRPr lang="es-CO"/>
           </a:p>
@@ -1344,7 +1373,7 @@
           <a:lstStyle/>
           <a:p>
             <a:r>
-              <a:rPr lang="es-ES" smtClean="0"/>
+              <a:rPr lang="es-ES"/>
               <a:t>Haga clic para modificar el estilo de título del patrón</a:t>
             </a:r>
             <a:endParaRPr lang="es-CO"/>
@@ -1410,7 +1439,7 @@
           <a:p>
             <a:pPr lvl="0"/>
             <a:r>
-              <a:rPr lang="es-ES" smtClean="0"/>
+              <a:rPr lang="es-ES"/>
               <a:t>Editar el estilo de texto del patrón</a:t>
             </a:r>
           </a:p>
@@ -1438,35 +1467,35 @@
           <a:p>
             <a:pPr lvl="0"/>
             <a:r>
-              <a:rPr lang="es-ES" smtClean="0"/>
+              <a:rPr lang="es-ES"/>
               <a:t>Editar el estilo de texto del patrón</a:t>
             </a:r>
           </a:p>
           <a:p>
             <a:pPr lvl="1"/>
             <a:r>
-              <a:rPr lang="es-ES" smtClean="0"/>
+              <a:rPr lang="es-ES"/>
               <a:t>Segundo nivel</a:t>
             </a:r>
           </a:p>
           <a:p>
             <a:pPr lvl="2"/>
             <a:r>
-              <a:rPr lang="es-ES" smtClean="0"/>
+              <a:rPr lang="es-ES"/>
               <a:t>Tercer nivel</a:t>
             </a:r>
           </a:p>
           <a:p>
             <a:pPr lvl="3"/>
             <a:r>
-              <a:rPr lang="es-ES" smtClean="0"/>
+              <a:rPr lang="es-ES"/>
               <a:t>Cuarto nivel</a:t>
             </a:r>
           </a:p>
           <a:p>
             <a:pPr lvl="4"/>
             <a:r>
-              <a:rPr lang="es-ES" smtClean="0"/>
+              <a:rPr lang="es-ES"/>
               <a:t>Quinto nivel</a:t>
             </a:r>
             <a:endParaRPr lang="es-CO"/>
@@ -1532,7 +1561,7 @@
           <a:p>
             <a:pPr lvl="0"/>
             <a:r>
-              <a:rPr lang="es-ES" smtClean="0"/>
+              <a:rPr lang="es-ES"/>
               <a:t>Editar el estilo de texto del patrón</a:t>
             </a:r>
           </a:p>
@@ -1560,35 +1589,35 @@
           <a:p>
             <a:pPr lvl="0"/>
             <a:r>
-              <a:rPr lang="es-ES" smtClean="0"/>
+              <a:rPr lang="es-ES"/>
               <a:t>Editar el estilo de texto del patrón</a:t>
             </a:r>
           </a:p>
           <a:p>
             <a:pPr lvl="1"/>
             <a:r>
-              <a:rPr lang="es-ES" smtClean="0"/>
+              <a:rPr lang="es-ES"/>
               <a:t>Segundo nivel</a:t>
             </a:r>
           </a:p>
           <a:p>
             <a:pPr lvl="2"/>
             <a:r>
-              <a:rPr lang="es-ES" smtClean="0"/>
+              <a:rPr lang="es-ES"/>
               <a:t>Tercer nivel</a:t>
             </a:r>
           </a:p>
           <a:p>
             <a:pPr lvl="3"/>
             <a:r>
-              <a:rPr lang="es-ES" smtClean="0"/>
+              <a:rPr lang="es-ES"/>
               <a:t>Cuarto nivel</a:t>
             </a:r>
           </a:p>
           <a:p>
             <a:pPr lvl="4"/>
             <a:r>
-              <a:rPr lang="es-ES" smtClean="0"/>
+              <a:rPr lang="es-ES"/>
               <a:t>Quinto nivel</a:t>
             </a:r>
             <a:endParaRPr lang="es-CO"/>
@@ -1612,7 +1641,7 @@
           <a:p>
             <a:fld id="{4EF273E6-D4E2-4925-B0B2-F8C87153A7CB}" type="datetimeFigureOut">
               <a:rPr lang="es-CO" smtClean="0"/>
-              <a:t>5/05/2020</a:t>
+              <a:t>26/03/2025</a:t>
             </a:fld>
             <a:endParaRPr lang="es-CO"/>
           </a:p>
@@ -1706,7 +1735,7 @@
           <a:lstStyle/>
           <a:p>
             <a:r>
-              <a:rPr lang="es-ES" smtClean="0"/>
+              <a:rPr lang="es-ES"/>
               <a:t>Haga clic para modificar el estilo de título del patrón</a:t>
             </a:r>
             <a:endParaRPr lang="es-CO"/>
@@ -1730,7 +1759,7 @@
           <a:p>
             <a:fld id="{4EF273E6-D4E2-4925-B0B2-F8C87153A7CB}" type="datetimeFigureOut">
               <a:rPr lang="es-CO" smtClean="0"/>
-              <a:t>5/05/2020</a:t>
+              <a:t>26/03/2025</a:t>
             </a:fld>
             <a:endParaRPr lang="es-CO"/>
           </a:p>
@@ -1825,7 +1854,7 @@
           <a:p>
             <a:fld id="{4EF273E6-D4E2-4925-B0B2-F8C87153A7CB}" type="datetimeFigureOut">
               <a:rPr lang="es-CO" smtClean="0"/>
-              <a:t>5/05/2020</a:t>
+              <a:t>26/03/2025</a:t>
             </a:fld>
             <a:endParaRPr lang="es-CO"/>
           </a:p>
@@ -1928,7 +1957,7 @@
           </a:lstStyle>
           <a:p>
             <a:r>
-              <a:rPr lang="es-ES" smtClean="0"/>
+              <a:rPr lang="es-ES"/>
               <a:t>Haga clic para modificar el estilo de título del patrón</a:t>
             </a:r>
             <a:endParaRPr lang="es-CO"/>
@@ -1985,35 +2014,35 @@
           <a:p>
             <a:pPr lvl="0"/>
             <a:r>
-              <a:rPr lang="es-ES" smtClean="0"/>
+              <a:rPr lang="es-ES"/>
               <a:t>Editar el estilo de texto del patrón</a:t>
             </a:r>
           </a:p>
           <a:p>
             <a:pPr lvl="1"/>
             <a:r>
-              <a:rPr lang="es-ES" smtClean="0"/>
+              <a:rPr lang="es-ES"/>
               <a:t>Segundo nivel</a:t>
             </a:r>
           </a:p>
           <a:p>
             <a:pPr lvl="2"/>
             <a:r>
-              <a:rPr lang="es-ES" smtClean="0"/>
+              <a:rPr lang="es-ES"/>
               <a:t>Tercer nivel</a:t>
             </a:r>
           </a:p>
           <a:p>
             <a:pPr lvl="3"/>
             <a:r>
-              <a:rPr lang="es-ES" smtClean="0"/>
+              <a:rPr lang="es-ES"/>
               <a:t>Cuarto nivel</a:t>
             </a:r>
           </a:p>
           <a:p>
             <a:pPr lvl="4"/>
             <a:r>
-              <a:rPr lang="es-ES" smtClean="0"/>
+              <a:rPr lang="es-ES"/>
               <a:t>Quinto nivel</a:t>
             </a:r>
             <a:endParaRPr lang="es-CO"/>
@@ -2079,7 +2108,7 @@
           <a:p>
             <a:pPr lvl="0"/>
             <a:r>
-              <a:rPr lang="es-ES" smtClean="0"/>
+              <a:rPr lang="es-ES"/>
               <a:t>Editar el estilo de texto del patrón</a:t>
             </a:r>
           </a:p>
@@ -2102,7 +2131,7 @@
           <a:p>
             <a:fld id="{4EF273E6-D4E2-4925-B0B2-F8C87153A7CB}" type="datetimeFigureOut">
               <a:rPr lang="es-CO" smtClean="0"/>
-              <a:t>5/05/2020</a:t>
+              <a:t>26/03/2025</a:t>
             </a:fld>
             <a:endParaRPr lang="es-CO"/>
           </a:p>
@@ -2205,7 +2234,7 @@
           </a:lstStyle>
           <a:p>
             <a:r>
-              <a:rPr lang="es-ES" smtClean="0"/>
+              <a:rPr lang="es-ES"/>
               <a:t>Haga clic para modificar el estilo de título del patrón</a:t>
             </a:r>
             <a:endParaRPr lang="es-CO"/>
@@ -2332,7 +2361,7 @@
           <a:p>
             <a:pPr lvl="0"/>
             <a:r>
-              <a:rPr lang="es-ES" smtClean="0"/>
+              <a:rPr lang="es-ES"/>
               <a:t>Editar el estilo de texto del patrón</a:t>
             </a:r>
           </a:p>
@@ -2355,7 +2384,7 @@
           <a:p>
             <a:fld id="{4EF273E6-D4E2-4925-B0B2-F8C87153A7CB}" type="datetimeFigureOut">
               <a:rPr lang="es-CO" smtClean="0"/>
-              <a:t>5/05/2020</a:t>
+              <a:t>26/03/2025</a:t>
             </a:fld>
             <a:endParaRPr lang="es-CO"/>
           </a:p>
@@ -2464,7 +2493,7 @@
           <a:lstStyle/>
           <a:p>
             <a:r>
-              <a:rPr lang="es-ES" smtClean="0"/>
+              <a:rPr lang="es-ES"/>
               <a:t>Haga clic para modificar el estilo de título del patrón</a:t>
             </a:r>
             <a:endParaRPr lang="es-CO"/>
@@ -2498,35 +2527,35 @@
           <a:p>
             <a:pPr lvl="0"/>
             <a:r>
-              <a:rPr lang="es-ES" smtClean="0"/>
+              <a:rPr lang="es-ES"/>
               <a:t>Editar el estilo de texto del patrón</a:t>
             </a:r>
           </a:p>
           <a:p>
             <a:pPr lvl="1"/>
             <a:r>
-              <a:rPr lang="es-ES" smtClean="0"/>
+              <a:rPr lang="es-ES"/>
               <a:t>Segundo nivel</a:t>
             </a:r>
           </a:p>
           <a:p>
             <a:pPr lvl="2"/>
             <a:r>
-              <a:rPr lang="es-ES" smtClean="0"/>
+              <a:rPr lang="es-ES"/>
               <a:t>Tercer nivel</a:t>
             </a:r>
           </a:p>
           <a:p>
             <a:pPr lvl="3"/>
             <a:r>
-              <a:rPr lang="es-ES" smtClean="0"/>
+              <a:rPr lang="es-ES"/>
               <a:t>Cuarto nivel</a:t>
             </a:r>
           </a:p>
           <a:p>
             <a:pPr lvl="4"/>
             <a:r>
-              <a:rPr lang="es-ES" smtClean="0"/>
+              <a:rPr lang="es-ES"/>
               <a:t>Quinto nivel</a:t>
             </a:r>
             <a:endParaRPr lang="es-CO"/>
@@ -2568,7 +2597,7 @@
           <a:p>
             <a:fld id="{4EF273E6-D4E2-4925-B0B2-F8C87153A7CB}" type="datetimeFigureOut">
               <a:rPr lang="es-CO" smtClean="0"/>
-              <a:t>5/05/2020</a:t>
+              <a:t>26/03/2025</a:t>
             </a:fld>
             <a:endParaRPr lang="es-CO"/>
           </a:p>
@@ -2991,26 +3020,22 @@
           <a:lstStyle/>
           <a:p>
             <a:r>
-              <a:rPr lang="es-ES" dirty="0" smtClean="0"/>
+              <a:rPr lang="es-ES" dirty="0"/>
               <a:t>Clase </a:t>
             </a:r>
             <a:r>
-              <a:rPr lang="es-ES" dirty="0" err="1" smtClean="0"/>
+              <a:rPr lang="es-ES" dirty="0" err="1"/>
               <a:t>Object</a:t>
             </a:r>
-            <a:r>
-              <a:rPr lang="es-ES" dirty="0" smtClean="0"/>
-              <a:t/>
-            </a:r>
             <a:br>
-              <a:rPr lang="es-ES" dirty="0" smtClean="0"/>
+              <a:rPr lang="es-ES" dirty="0"/>
             </a:br>
             <a:r>
-              <a:rPr lang="es-ES" dirty="0" smtClean="0"/>
+              <a:rPr lang="es-ES" dirty="0"/>
               <a:t>Operadores as </a:t>
             </a:r>
             <a:r>
-              <a:rPr lang="es-ES" dirty="0" err="1" smtClean="0"/>
+              <a:rPr lang="es-ES" dirty="0" err="1"/>
               <a:t>is</a:t>
             </a:r>
             <a:endParaRPr lang="es-CO" dirty="0"/>
@@ -3046,13 +3071,6 @@
   <p:clrMapOvr>
     <a:masterClrMapping/>
   </p:clrMapOvr>
-  <p:timing>
-    <p:tnLst>
-      <p:par>
-        <p:cTn id="1" dur="indefinite" restart="never" nodeType="tmRoot"/>
-      </p:par>
-    </p:tnLst>
-  </p:timing>
 </p:sld>
 </file>
 
@@ -3089,15 +3107,15 @@
           <a:lstStyle/>
           <a:p>
             <a:r>
-              <a:rPr lang="es-ES" dirty="0" smtClean="0"/>
+              <a:rPr lang="es-ES" dirty="0"/>
               <a:t>La clase </a:t>
             </a:r>
             <a:r>
-              <a:rPr lang="es-ES" dirty="0" err="1" smtClean="0"/>
+              <a:rPr lang="es-ES" dirty="0" err="1"/>
               <a:t>Object</a:t>
             </a:r>
             <a:r>
-              <a:rPr lang="es-ES" dirty="0" smtClean="0"/>
+              <a:rPr lang="es-ES" dirty="0"/>
               <a:t> en C#</a:t>
             </a:r>
             <a:endParaRPr lang="es-CO" dirty="0"/>
@@ -3127,106 +3145,102 @@
           <a:lstStyle/>
           <a:p>
             <a:r>
-              <a:rPr lang="es-ES" sz="2000" dirty="0" smtClean="0"/>
+              <a:rPr lang="es-ES" sz="2000" dirty="0"/>
               <a:t>Es la clase superior de todas las clases</a:t>
             </a:r>
           </a:p>
           <a:p>
             <a:r>
-              <a:rPr lang="es-ES" sz="2000" dirty="0" smtClean="0"/>
+              <a:rPr lang="es-ES" sz="2000" dirty="0"/>
               <a:t>Todo hereda de </a:t>
             </a:r>
             <a:r>
-              <a:rPr lang="es-ES" sz="2000" dirty="0" err="1" smtClean="0"/>
+              <a:rPr lang="es-ES" sz="2000" dirty="0" err="1"/>
               <a:t>Object</a:t>
             </a:r>
-            <a:endParaRPr lang="es-ES" sz="2000" dirty="0" smtClean="0"/>
-          </a:p>
-          <a:p>
-            <a:r>
-              <a:rPr lang="es-ES" sz="2000" dirty="0" smtClean="0"/>
+            <a:endParaRPr lang="es-ES" sz="2000" dirty="0"/>
+          </a:p>
+          <a:p>
+            <a:r>
+              <a:rPr lang="es-ES" sz="2000" dirty="0"/>
               <a:t>Si tengo una variable </a:t>
             </a:r>
             <a:r>
               <a:rPr lang="es-ES" sz="2000" dirty="0" err="1"/>
-              <a:t>O</a:t>
-            </a:r>
-            <a:r>
-              <a:rPr lang="es-ES" sz="2000" dirty="0" err="1" smtClean="0"/>
-              <a:t>bject</a:t>
-            </a:r>
-            <a:r>
-              <a:rPr lang="es-ES" sz="2000" dirty="0" smtClean="0"/>
+              <a:t>Object</a:t>
+            </a:r>
+            <a:r>
+              <a:rPr lang="es-ES" sz="2000" dirty="0"/>
               <a:t> puede asignarle objetos de cualquier tipo</a:t>
             </a:r>
           </a:p>
           <a:p>
             <a:r>
-              <a:rPr lang="es-ES" sz="2000" dirty="0" smtClean="0"/>
+              <a:rPr lang="es-ES" sz="2000" dirty="0"/>
               <a:t>A la variable tipo </a:t>
             </a:r>
             <a:r>
-              <a:rPr lang="es-ES" sz="2000" dirty="0" err="1" smtClean="0"/>
+              <a:rPr lang="es-ES" sz="2000" dirty="0" err="1"/>
               <a:t>object</a:t>
             </a:r>
             <a:r>
-              <a:rPr lang="es-ES" sz="2000" dirty="0" smtClean="0"/>
+              <a:rPr lang="es-ES" sz="2000" dirty="0"/>
               <a:t> no le permite llamar métodos de esa clase porque en </a:t>
             </a:r>
             <a:r>
-              <a:rPr lang="es-ES" sz="2000" dirty="0" err="1" smtClean="0"/>
+              <a:rPr lang="es-ES" sz="2000" dirty="0" err="1"/>
               <a:t>object</a:t>
             </a:r>
             <a:r>
-              <a:rPr lang="es-ES" sz="2000" dirty="0" smtClean="0"/>
+              <a:rPr lang="es-ES" sz="2000" dirty="0"/>
               <a:t> no existe el método.</a:t>
             </a:r>
           </a:p>
           <a:p>
             <a:r>
-              <a:rPr lang="es-ES" sz="2000" dirty="0" smtClean="0"/>
+              <a:rPr lang="es-ES" sz="2000" dirty="0"/>
               <a:t>El comportamiento de un objeto tipo </a:t>
             </a:r>
             <a:r>
-              <a:rPr lang="es-ES" sz="2000" dirty="0" err="1" smtClean="0"/>
+              <a:rPr lang="es-ES" sz="2000" dirty="0" err="1"/>
               <a:t>object</a:t>
             </a:r>
             <a:r>
-              <a:rPr lang="es-ES" sz="2000" dirty="0" smtClean="0"/>
+              <a:rPr lang="es-ES" sz="2000" dirty="0"/>
               <a:t> está dado por cuatro métodos genéricos:</a:t>
             </a:r>
           </a:p>
           <a:p>
             <a:pPr lvl="1"/>
             <a:r>
-              <a:rPr lang="es-ES" sz="1800" dirty="0" err="1" smtClean="0"/>
+              <a:rPr lang="es-ES" sz="1800" dirty="0" err="1"/>
+              <a:t>Equals</a:t>
+            </a:r>
+            <a:endParaRPr lang="es-ES" sz="1800" dirty="0"/>
+          </a:p>
+          <a:p>
+            <a:pPr lvl="1"/>
+            <a:r>
+              <a:rPr lang="es-ES" sz="1800" dirty="0" err="1"/>
+              <a:t>GetHashCode</a:t>
+            </a:r>
+            <a:endParaRPr lang="es-ES" sz="1800" dirty="0"/>
+          </a:p>
+          <a:p>
+            <a:pPr lvl="1"/>
+            <a:r>
+              <a:rPr lang="es-ES" sz="1800" dirty="0" err="1"/>
+              <a:t>GetType</a:t>
+            </a:r>
+            <a:endParaRPr lang="es-ES" sz="1800" dirty="0"/>
+          </a:p>
+          <a:p>
+            <a:pPr lvl="1"/>
+            <a:r>
+              <a:rPr lang="es-ES" sz="1800" dirty="0" err="1"/>
               <a:t>ToString</a:t>
             </a:r>
-            <a:endParaRPr lang="es-ES" sz="1800" dirty="0" smtClean="0"/>
-          </a:p>
-          <a:p>
-            <a:pPr lvl="1"/>
-            <a:r>
-              <a:rPr lang="es-ES" sz="1800" dirty="0" err="1" smtClean="0"/>
-              <a:t>GetHashCode</a:t>
-            </a:r>
-            <a:endParaRPr lang="es-ES" sz="1800" dirty="0" smtClean="0"/>
-          </a:p>
-          <a:p>
-            <a:pPr lvl="1"/>
-            <a:r>
-              <a:rPr lang="es-ES" sz="1800" dirty="0" err="1" smtClean="0"/>
-              <a:t>GetType</a:t>
-            </a:r>
-            <a:endParaRPr lang="es-ES" sz="1800" dirty="0" smtClean="0"/>
-          </a:p>
-          <a:p>
-            <a:pPr lvl="1"/>
-            <a:r>
-              <a:rPr lang="es-ES" sz="1800" dirty="0" err="1" smtClean="0"/>
-              <a:t>ToString</a:t>
-            </a:r>
-            <a:endParaRPr lang="es-ES" sz="1800" dirty="0" smtClean="0"/>
+            <a:endParaRPr lang="es-ES" sz="1800" dirty="0"/>
           </a:p>
           <a:p>
             <a:endParaRPr lang="es-CO" sz="2000" dirty="0"/>
@@ -3279,11 +3293,11 @@
           <a:lstStyle/>
           <a:p>
             <a:r>
-              <a:rPr lang="es-CO" sz="1400" dirty="0" smtClean="0"/>
+              <a:rPr lang="es-CO" sz="1400" dirty="0"/>
               <a:t>Fuente: </a:t>
             </a:r>
             <a:r>
-              <a:rPr lang="es-CO" sz="1400" dirty="0" smtClean="0">
+              <a:rPr lang="es-CO" sz="1400" dirty="0">
                 <a:hlinkClick r:id="rId3"/>
               </a:rPr>
               <a:t>https://csharp-station.com/</a:t>
@@ -3302,13 +3316,6 @@
   <p:clrMapOvr>
     <a:masterClrMapping/>
   </p:clrMapOvr>
-  <p:timing>
-    <p:tnLst>
-      <p:par>
-        <p:cTn id="1" dur="indefinite" restart="never" nodeType="tmRoot"/>
-      </p:par>
-    </p:tnLst>
-  </p:timing>
 </p:sld>
 </file>
 
@@ -3345,11 +3352,11 @@
           <a:lstStyle/>
           <a:p>
             <a:r>
-              <a:rPr lang="es-ES" dirty="0" smtClean="0"/>
+              <a:rPr lang="es-ES" dirty="0"/>
               <a:t>Operador </a:t>
             </a:r>
             <a:r>
-              <a:rPr lang="es-ES" dirty="0" err="1" smtClean="0"/>
+              <a:rPr lang="es-ES" dirty="0" err="1"/>
               <a:t>Is</a:t>
             </a:r>
             <a:endParaRPr lang="es-CO" dirty="0"/>
@@ -3372,74 +3379,22 @@
           <a:lstStyle/>
           <a:p>
             <a:r>
-              <a:rPr lang="es-ES" dirty="0" smtClean="0"/>
-              <a:t>Se </a:t>
-            </a:r>
-            <a:r>
               <a:rPr lang="es-ES" dirty="0"/>
-              <a:t>usa para verificar si el tipo </a:t>
-            </a:r>
-            <a:r>
-              <a:rPr lang="es-ES" dirty="0" smtClean="0"/>
-              <a:t>de </a:t>
-            </a:r>
+              <a:t>Se usa para verificar si el tipo de un objeto en tiempo de ejecución es compatible o no con otro tipo dado. </a:t>
+            </a:r>
+          </a:p>
+          <a:p>
             <a:r>
               <a:rPr lang="es-ES" dirty="0"/>
-              <a:t>un </a:t>
-            </a:r>
-            <a:r>
-              <a:rPr lang="es-ES" dirty="0" smtClean="0"/>
-              <a:t>objeto en tiempo de ejecución </a:t>
+              <a:t>Se usa el operador “</a:t>
+            </a:r>
+            <a:r>
+              <a:rPr lang="es-ES" dirty="0" err="1"/>
+              <a:t>is</a:t>
             </a:r>
             <a:r>
               <a:rPr lang="es-ES" dirty="0"/>
-              <a:t>es </a:t>
-            </a:r>
-            <a:r>
-              <a:rPr lang="es-ES" dirty="0" smtClean="0"/>
-              <a:t>compatible o no </a:t>
-            </a:r>
-            <a:r>
-              <a:rPr lang="es-ES" dirty="0"/>
-              <a:t>con </a:t>
-            </a:r>
-            <a:r>
-              <a:rPr lang="es-ES" dirty="0" smtClean="0"/>
-              <a:t>otro </a:t>
-            </a:r>
-            <a:r>
-              <a:rPr lang="es-ES" dirty="0"/>
-              <a:t>tipo </a:t>
-            </a:r>
-            <a:r>
-              <a:rPr lang="es-ES" dirty="0" smtClean="0"/>
-              <a:t>dado. </a:t>
-            </a:r>
-          </a:p>
-          <a:p>
-            <a:r>
-              <a:rPr lang="es-ES" dirty="0" smtClean="0"/>
-              <a:t>Se usa </a:t>
-            </a:r>
-            <a:r>
-              <a:rPr lang="es-ES" dirty="0"/>
-              <a:t>el operador </a:t>
-            </a:r>
-            <a:r>
-              <a:rPr lang="es-ES" dirty="0" smtClean="0"/>
-              <a:t>“</a:t>
-            </a:r>
-            <a:r>
-              <a:rPr lang="es-ES" dirty="0" err="1" smtClean="0"/>
-              <a:t>is</a:t>
-            </a:r>
-            <a:r>
-              <a:rPr lang="es-ES" dirty="0" smtClean="0"/>
-              <a:t>" </a:t>
-            </a:r>
-            <a:r>
-              <a:rPr lang="es-ES" dirty="0"/>
-              <a:t>para verificar que el tipo de objeto es el que esperamos que sea.</a:t>
+              <a:t>" para verificar que el tipo de objeto es el que esperamos que sea.</a:t>
             </a:r>
           </a:p>
           <a:p>
@@ -3457,13 +3412,6 @@
   <p:clrMapOvr>
     <a:masterClrMapping/>
   </p:clrMapOvr>
-  <p:timing>
-    <p:tnLst>
-      <p:par>
-        <p:cTn id="1" dur="indefinite" restart="never" nodeType="tmRoot"/>
-      </p:par>
-    </p:tnLst>
-  </p:timing>
 </p:sld>
 </file>
 
@@ -3500,7 +3448,7 @@
           <a:lstStyle/>
           <a:p>
             <a:r>
-              <a:rPr lang="es-ES" dirty="0" smtClean="0"/>
+              <a:rPr lang="es-ES" dirty="0"/>
               <a:t>Operador As</a:t>
             </a:r>
             <a:endParaRPr lang="es-CO" dirty="0"/>
@@ -3523,24 +3471,23 @@
           <a:lstStyle/>
           <a:p>
             <a:r>
-              <a:rPr lang="es-ES" dirty="0" smtClean="0"/>
+              <a:rPr lang="es-ES" dirty="0"/>
               <a:t>El operador “as" se utiliza para realizar conversiones entre tipos compatibles. </a:t>
             </a:r>
           </a:p>
           <a:p>
             <a:r>
-              <a:rPr lang="es-ES" dirty="0" smtClean="0"/>
+              <a:rPr lang="es-ES" dirty="0"/>
               <a:t>Es similar a hacer un </a:t>
             </a:r>
             <a:r>
-              <a:rPr lang="es-ES" dirty="0" err="1" smtClean="0"/>
+              <a:rPr lang="es-ES" dirty="0" err="1"/>
               <a:t>cast</a:t>
             </a:r>
             <a:r>
-              <a:rPr lang="es-ES" dirty="0" smtClean="0"/>
+              <a:rPr lang="es-ES" dirty="0"/>
               <a:t> entre tipos</a:t>
             </a:r>
-            <a:endParaRPr lang="es-ES" dirty="0"/>
           </a:p>
         </p:txBody>
       </p:sp>
@@ -3554,13 +3501,6 @@
   <p:clrMapOvr>
     <a:masterClrMapping/>
   </p:clrMapOvr>
-  <p:timing>
-    <p:tnLst>
-      <p:par>
-        <p:cTn id="1" dur="indefinite" restart="never" nodeType="tmRoot"/>
-      </p:par>
-    </p:tnLst>
-  </p:timing>
 </p:sld>
 </file>
 
@@ -3597,7 +3537,7 @@
           <a:lstStyle/>
           <a:p>
             <a:r>
-              <a:rPr lang="es-ES" dirty="0" smtClean="0"/>
+              <a:rPr lang="es-ES" dirty="0"/>
               <a:t>Ejemplo</a:t>
             </a:r>
             <a:endParaRPr lang="es-CO" dirty="0"/>
@@ -3638,13 +3578,6 @@
   <p:clrMapOvr>
     <a:masterClrMapping/>
   </p:clrMapOvr>
-  <p:timing>
-    <p:tnLst>
-      <p:par>
-        <p:cTn id="1" dur="indefinite" restart="never" nodeType="tmRoot"/>
-      </p:par>
-    </p:tnLst>
-  </p:timing>
 </p:sld>
 </file>
 
